--- a/SLI-AL/Workshop 1/Fremlæggelse workshop1.pptx
+++ b/SLI-AL/Workshop 1/Fremlæggelse workshop1.pptx
@@ -4,12 +4,14 @@
   <p:sldMasterIdLst>
     <p:sldMasterId id="2147483648" r:id="rId1"/>
   </p:sldMasterIdLst>
+  <p:notesMasterIdLst>
+    <p:notesMasterId r:id="rId6"/>
+  </p:notesMasterIdLst>
   <p:sldIdLst>
     <p:sldId id="256" r:id="rId2"/>
-    <p:sldId id="257" r:id="rId3"/>
-    <p:sldId id="260" r:id="rId4"/>
-    <p:sldId id="258" r:id="rId5"/>
-    <p:sldId id="259" r:id="rId6"/>
+    <p:sldId id="260" r:id="rId3"/>
+    <p:sldId id="258" r:id="rId4"/>
+    <p:sldId id="259" r:id="rId5"/>
   </p:sldIdLst>
   <p:sldSz cx="12192000" cy="6858000"/>
   <p:notesSz cx="6858000" cy="9144000"/>
@@ -108,6 +110,11 @@
       </a:defRPr>
     </a:lvl9pPr>
   </p:defaultTextStyle>
+  <p:extLst>
+    <p:ext uri="{EFAFB233-063F-42B5-8137-9DF3F51BA10A}">
+      <p15:sldGuideLst xmlns:p15="http://schemas.microsoft.com/office/powerpoint/2012/main"/>
+    </p:ext>
+  </p:extLst>
 </p:presentation>
 </file>
 
@@ -570,6 +577,459 @@
 </inkml:ink>
 </file>
 
+<file path=ppt/notesMasters/notesMaster1.xml><?xml version="1.0" encoding="utf-8"?>
+<p:notesMaster xmlns:a="http://schemas.openxmlformats.org/drawingml/2006/main" xmlns:r="http://schemas.openxmlformats.org/officeDocument/2006/relationships" xmlns:p="http://schemas.openxmlformats.org/presentationml/2006/main">
+  <p:cSld>
+    <p:bg>
+      <p:bgRef idx="1001">
+        <a:schemeClr val="bg1"/>
+      </p:bgRef>
+    </p:bg>
+    <p:spTree>
+      <p:nvGrpSpPr>
+        <p:cNvPr id="1" name=""/>
+        <p:cNvGrpSpPr/>
+        <p:nvPr/>
+      </p:nvGrpSpPr>
+      <p:grpSpPr>
+        <a:xfrm>
+          <a:off x="0" y="0"/>
+          <a:ext cx="0" cy="0"/>
+          <a:chOff x="0" y="0"/>
+          <a:chExt cx="0" cy="0"/>
+        </a:xfrm>
+      </p:grpSpPr>
+      <p:sp>
+        <p:nvSpPr>
+          <p:cNvPr id="2" name="Pladsholder til sidehoved 1"/>
+          <p:cNvSpPr>
+            <a:spLocks noGrp="1"/>
+          </p:cNvSpPr>
+          <p:nvPr>
+            <p:ph type="hdr" sz="quarter"/>
+          </p:nvPr>
+        </p:nvSpPr>
+        <p:spPr>
+          <a:xfrm>
+            <a:off x="0" y="0"/>
+            <a:ext cx="2971800" cy="458788"/>
+          </a:xfrm>
+          <a:prstGeom prst="rect">
+            <a:avLst/>
+          </a:prstGeom>
+        </p:spPr>
+        <p:txBody>
+          <a:bodyPr vert="horz" lIns="91440" tIns="45720" rIns="91440" bIns="45720" rtlCol="0"/>
+          <a:lstStyle>
+            <a:lvl1pPr algn="l">
+              <a:defRPr sz="1200"/>
+            </a:lvl1pPr>
+          </a:lstStyle>
+          <a:p>
+            <a:endParaRPr lang="da-DK"/>
+          </a:p>
+        </p:txBody>
+      </p:sp>
+      <p:sp>
+        <p:nvSpPr>
+          <p:cNvPr id="3" name="Pladsholder til dato 2"/>
+          <p:cNvSpPr>
+            <a:spLocks noGrp="1"/>
+          </p:cNvSpPr>
+          <p:nvPr>
+            <p:ph type="dt" idx="1"/>
+          </p:nvPr>
+        </p:nvSpPr>
+        <p:spPr>
+          <a:xfrm>
+            <a:off x="3884613" y="0"/>
+            <a:ext cx="2971800" cy="458788"/>
+          </a:xfrm>
+          <a:prstGeom prst="rect">
+            <a:avLst/>
+          </a:prstGeom>
+        </p:spPr>
+        <p:txBody>
+          <a:bodyPr vert="horz" lIns="91440" tIns="45720" rIns="91440" bIns="45720" rtlCol="0"/>
+          <a:lstStyle>
+            <a:lvl1pPr algn="r">
+              <a:defRPr sz="1200"/>
+            </a:lvl1pPr>
+          </a:lstStyle>
+          <a:p>
+            <a:fld id="{CA9188CA-873B-4149-B47B-5BEAFCD9778D}" type="datetimeFigureOut">
+              <a:rPr lang="da-DK" smtClean="0"/>
+              <a:t>08-06-2022</a:t>
+            </a:fld>
+            <a:endParaRPr lang="da-DK"/>
+          </a:p>
+        </p:txBody>
+      </p:sp>
+      <p:sp>
+        <p:nvSpPr>
+          <p:cNvPr id="4" name="Pladsholder til slidebillede 3"/>
+          <p:cNvSpPr>
+            <a:spLocks noGrp="1" noRot="1" noChangeAspect="1"/>
+          </p:cNvSpPr>
+          <p:nvPr>
+            <p:ph type="sldImg" idx="2"/>
+          </p:nvPr>
+        </p:nvSpPr>
+        <p:spPr>
+          <a:xfrm>
+            <a:off x="685800" y="1143000"/>
+            <a:ext cx="5486400" cy="3086100"/>
+          </a:xfrm>
+          <a:prstGeom prst="rect">
+            <a:avLst/>
+          </a:prstGeom>
+          <a:noFill/>
+          <a:ln w="12700">
+            <a:solidFill>
+              <a:prstClr val="black"/>
+            </a:solidFill>
+          </a:ln>
+        </p:spPr>
+        <p:txBody>
+          <a:bodyPr vert="horz" lIns="91440" tIns="45720" rIns="91440" bIns="45720" rtlCol="0" anchor="ctr"/>
+          <a:lstStyle/>
+          <a:p>
+            <a:endParaRPr lang="da-DK"/>
+          </a:p>
+        </p:txBody>
+      </p:sp>
+      <p:sp>
+        <p:nvSpPr>
+          <p:cNvPr id="5" name="Pladsholder til noter 4"/>
+          <p:cNvSpPr>
+            <a:spLocks noGrp="1"/>
+          </p:cNvSpPr>
+          <p:nvPr>
+            <p:ph type="body" sz="quarter" idx="3"/>
+          </p:nvPr>
+        </p:nvSpPr>
+        <p:spPr>
+          <a:xfrm>
+            <a:off x="685800" y="4400550"/>
+            <a:ext cx="5486400" cy="3600450"/>
+          </a:xfrm>
+          <a:prstGeom prst="rect">
+            <a:avLst/>
+          </a:prstGeom>
+        </p:spPr>
+        <p:txBody>
+          <a:bodyPr vert="horz" lIns="91440" tIns="45720" rIns="91440" bIns="45720" rtlCol="0"/>
+          <a:lstStyle/>
+          <a:p>
+            <a:pPr lvl="0"/>
+            <a:r>
+              <a:rPr lang="da-DK"/>
+              <a:t>Klik for at redigere teksttypografierne i masteren</a:t>
+            </a:r>
+          </a:p>
+          <a:p>
+            <a:pPr lvl="1"/>
+            <a:r>
+              <a:rPr lang="da-DK"/>
+              <a:t>Andet niveau</a:t>
+            </a:r>
+          </a:p>
+          <a:p>
+            <a:pPr lvl="2"/>
+            <a:r>
+              <a:rPr lang="da-DK"/>
+              <a:t>Tredje niveau</a:t>
+            </a:r>
+          </a:p>
+          <a:p>
+            <a:pPr lvl="3"/>
+            <a:r>
+              <a:rPr lang="da-DK"/>
+              <a:t>Fjerde niveau</a:t>
+            </a:r>
+          </a:p>
+          <a:p>
+            <a:pPr lvl="4"/>
+            <a:r>
+              <a:rPr lang="da-DK"/>
+              <a:t>Femte niveau</a:t>
+            </a:r>
+          </a:p>
+        </p:txBody>
+      </p:sp>
+      <p:sp>
+        <p:nvSpPr>
+          <p:cNvPr id="6" name="Pladsholder til sidefod 5"/>
+          <p:cNvSpPr>
+            <a:spLocks noGrp="1"/>
+          </p:cNvSpPr>
+          <p:nvPr>
+            <p:ph type="ftr" sz="quarter" idx="4"/>
+          </p:nvPr>
+        </p:nvSpPr>
+        <p:spPr>
+          <a:xfrm>
+            <a:off x="0" y="8685213"/>
+            <a:ext cx="2971800" cy="458787"/>
+          </a:xfrm>
+          <a:prstGeom prst="rect">
+            <a:avLst/>
+          </a:prstGeom>
+        </p:spPr>
+        <p:txBody>
+          <a:bodyPr vert="horz" lIns="91440" tIns="45720" rIns="91440" bIns="45720" rtlCol="0" anchor="b"/>
+          <a:lstStyle>
+            <a:lvl1pPr algn="l">
+              <a:defRPr sz="1200"/>
+            </a:lvl1pPr>
+          </a:lstStyle>
+          <a:p>
+            <a:endParaRPr lang="da-DK"/>
+          </a:p>
+        </p:txBody>
+      </p:sp>
+      <p:sp>
+        <p:nvSpPr>
+          <p:cNvPr id="7" name="Pladsholder til slidenummer 6"/>
+          <p:cNvSpPr>
+            <a:spLocks noGrp="1"/>
+          </p:cNvSpPr>
+          <p:nvPr>
+            <p:ph type="sldNum" sz="quarter" idx="5"/>
+          </p:nvPr>
+        </p:nvSpPr>
+        <p:spPr>
+          <a:xfrm>
+            <a:off x="3884613" y="8685213"/>
+            <a:ext cx="2971800" cy="458787"/>
+          </a:xfrm>
+          <a:prstGeom prst="rect">
+            <a:avLst/>
+          </a:prstGeom>
+        </p:spPr>
+        <p:txBody>
+          <a:bodyPr vert="horz" lIns="91440" tIns="45720" rIns="91440" bIns="45720" rtlCol="0" anchor="b"/>
+          <a:lstStyle>
+            <a:lvl1pPr algn="r">
+              <a:defRPr sz="1200"/>
+            </a:lvl1pPr>
+          </a:lstStyle>
+          <a:p>
+            <a:fld id="{BE3DE472-CEB9-422A-9A3D-EF1D505F6F43}" type="slidenum">
+              <a:rPr lang="da-DK" smtClean="0"/>
+              <a:t>‹nr.›</a:t>
+            </a:fld>
+            <a:endParaRPr lang="da-DK"/>
+          </a:p>
+        </p:txBody>
+      </p:sp>
+    </p:spTree>
+    <p:extLst>
+      <p:ext uri="{BB962C8B-B14F-4D97-AF65-F5344CB8AC3E}">
+        <p14:creationId xmlns:p14="http://schemas.microsoft.com/office/powerpoint/2010/main" val="1002213140"/>
+      </p:ext>
+    </p:extLst>
+  </p:cSld>
+  <p:clrMap bg1="lt1" tx1="dk1" bg2="lt2" tx2="dk2" accent1="accent1" accent2="accent2" accent3="accent3" accent4="accent4" accent5="accent5" accent6="accent6" hlink="hlink" folHlink="folHlink"/>
+  <p:notesStyle>
+    <a:lvl1pPr marL="0" algn="l" defTabSz="914400" rtl="0" eaLnBrk="1" latinLnBrk="0" hangingPunct="1">
+      <a:defRPr sz="1200" kern="1200">
+        <a:solidFill>
+          <a:schemeClr val="tx1"/>
+        </a:solidFill>
+        <a:latin typeface="+mn-lt"/>
+        <a:ea typeface="+mn-ea"/>
+        <a:cs typeface="+mn-cs"/>
+      </a:defRPr>
+    </a:lvl1pPr>
+    <a:lvl2pPr marL="457200" algn="l" defTabSz="914400" rtl="0" eaLnBrk="1" latinLnBrk="0" hangingPunct="1">
+      <a:defRPr sz="1200" kern="1200">
+        <a:solidFill>
+          <a:schemeClr val="tx1"/>
+        </a:solidFill>
+        <a:latin typeface="+mn-lt"/>
+        <a:ea typeface="+mn-ea"/>
+        <a:cs typeface="+mn-cs"/>
+      </a:defRPr>
+    </a:lvl2pPr>
+    <a:lvl3pPr marL="914400" algn="l" defTabSz="914400" rtl="0" eaLnBrk="1" latinLnBrk="0" hangingPunct="1">
+      <a:defRPr sz="1200" kern="1200">
+        <a:solidFill>
+          <a:schemeClr val="tx1"/>
+        </a:solidFill>
+        <a:latin typeface="+mn-lt"/>
+        <a:ea typeface="+mn-ea"/>
+        <a:cs typeface="+mn-cs"/>
+      </a:defRPr>
+    </a:lvl3pPr>
+    <a:lvl4pPr marL="1371600" algn="l" defTabSz="914400" rtl="0" eaLnBrk="1" latinLnBrk="0" hangingPunct="1">
+      <a:defRPr sz="1200" kern="1200">
+        <a:solidFill>
+          <a:schemeClr val="tx1"/>
+        </a:solidFill>
+        <a:latin typeface="+mn-lt"/>
+        <a:ea typeface="+mn-ea"/>
+        <a:cs typeface="+mn-cs"/>
+      </a:defRPr>
+    </a:lvl4pPr>
+    <a:lvl5pPr marL="1828800" algn="l" defTabSz="914400" rtl="0" eaLnBrk="1" latinLnBrk="0" hangingPunct="1">
+      <a:defRPr sz="1200" kern="1200">
+        <a:solidFill>
+          <a:schemeClr val="tx1"/>
+        </a:solidFill>
+        <a:latin typeface="+mn-lt"/>
+        <a:ea typeface="+mn-ea"/>
+        <a:cs typeface="+mn-cs"/>
+      </a:defRPr>
+    </a:lvl5pPr>
+    <a:lvl6pPr marL="2286000" algn="l" defTabSz="914400" rtl="0" eaLnBrk="1" latinLnBrk="0" hangingPunct="1">
+      <a:defRPr sz="1200" kern="1200">
+        <a:solidFill>
+          <a:schemeClr val="tx1"/>
+        </a:solidFill>
+        <a:latin typeface="+mn-lt"/>
+        <a:ea typeface="+mn-ea"/>
+        <a:cs typeface="+mn-cs"/>
+      </a:defRPr>
+    </a:lvl6pPr>
+    <a:lvl7pPr marL="2743200" algn="l" defTabSz="914400" rtl="0" eaLnBrk="1" latinLnBrk="0" hangingPunct="1">
+      <a:defRPr sz="1200" kern="1200">
+        <a:solidFill>
+          <a:schemeClr val="tx1"/>
+        </a:solidFill>
+        <a:latin typeface="+mn-lt"/>
+        <a:ea typeface="+mn-ea"/>
+        <a:cs typeface="+mn-cs"/>
+      </a:defRPr>
+    </a:lvl7pPr>
+    <a:lvl8pPr marL="3200400" algn="l" defTabSz="914400" rtl="0" eaLnBrk="1" latinLnBrk="0" hangingPunct="1">
+      <a:defRPr sz="1200" kern="1200">
+        <a:solidFill>
+          <a:schemeClr val="tx1"/>
+        </a:solidFill>
+        <a:latin typeface="+mn-lt"/>
+        <a:ea typeface="+mn-ea"/>
+        <a:cs typeface="+mn-cs"/>
+      </a:defRPr>
+    </a:lvl8pPr>
+    <a:lvl9pPr marL="3657600" algn="l" defTabSz="914400" rtl="0" eaLnBrk="1" latinLnBrk="0" hangingPunct="1">
+      <a:defRPr sz="1200" kern="1200">
+        <a:solidFill>
+          <a:schemeClr val="tx1"/>
+        </a:solidFill>
+        <a:latin typeface="+mn-lt"/>
+        <a:ea typeface="+mn-ea"/>
+        <a:cs typeface="+mn-cs"/>
+      </a:defRPr>
+    </a:lvl9pPr>
+  </p:notesStyle>
+</p:notesMaster>
+</file>
+
+<file path=ppt/notesSlides/notesSlide1.xml><?xml version="1.0" encoding="utf-8"?>
+<p:notes xmlns:a="http://schemas.openxmlformats.org/drawingml/2006/main" xmlns:r="http://schemas.openxmlformats.org/officeDocument/2006/relationships" xmlns:p="http://schemas.openxmlformats.org/presentationml/2006/main">
+  <p:cSld>
+    <p:spTree>
+      <p:nvGrpSpPr>
+        <p:cNvPr id="1" name=""/>
+        <p:cNvGrpSpPr/>
+        <p:nvPr/>
+      </p:nvGrpSpPr>
+      <p:grpSpPr>
+        <a:xfrm>
+          <a:off x="0" y="0"/>
+          <a:ext cx="0" cy="0"/>
+          <a:chOff x="0" y="0"/>
+          <a:chExt cx="0" cy="0"/>
+        </a:xfrm>
+      </p:grpSpPr>
+      <p:sp>
+        <p:nvSpPr>
+          <p:cNvPr id="2" name="Pladsholder til slidebillede 1"/>
+          <p:cNvSpPr>
+            <a:spLocks noGrp="1" noRot="1" noChangeAspect="1"/>
+          </p:cNvSpPr>
+          <p:nvPr>
+            <p:ph type="sldImg"/>
+          </p:nvPr>
+        </p:nvSpPr>
+        <p:spPr/>
+      </p:sp>
+      <p:sp>
+        <p:nvSpPr>
+          <p:cNvPr id="3" name="Pladsholder til noter 2"/>
+          <p:cNvSpPr>
+            <a:spLocks noGrp="1"/>
+          </p:cNvSpPr>
+          <p:nvPr>
+            <p:ph type="body" idx="1"/>
+          </p:nvPr>
+        </p:nvSpPr>
+        <p:spPr/>
+        <p:txBody>
+          <a:bodyPr/>
+          <a:lstStyle/>
+          <a:p>
+            <a:r>
+              <a:rPr lang="en-US" dirty="0"/>
+              <a:t>Since epsilon is a value for some amount of noise in an image. It is the reason as to why some values in the matrix is not linearly </a:t>
+            </a:r>
+            <a:r>
+              <a:rPr lang="en-US" dirty="0" err="1"/>
+              <a:t>dependant</a:t>
+            </a:r>
+            <a:r>
+              <a:rPr lang="en-US" dirty="0"/>
+              <a:t>. Because it is not possible to scale the first vector so that it gives us or however when it is linearly </a:t>
+            </a:r>
+            <a:r>
+              <a:rPr lang="en-US" dirty="0" err="1"/>
+              <a:t>dependant</a:t>
+            </a:r>
+            <a:r>
+              <a:rPr lang="en-US" dirty="0"/>
+              <a:t>, since we can scale the first vector with to get that. Therefore the closer then becomes almost linearly dependent</a:t>
+            </a:r>
+            <a:endParaRPr lang="da-DK" dirty="0"/>
+          </a:p>
+        </p:txBody>
+      </p:sp>
+      <p:sp>
+        <p:nvSpPr>
+          <p:cNvPr id="4" name="Pladsholder til slidenummer 3"/>
+          <p:cNvSpPr>
+            <a:spLocks noGrp="1"/>
+          </p:cNvSpPr>
+          <p:nvPr>
+            <p:ph type="sldNum" sz="quarter" idx="5"/>
+          </p:nvPr>
+        </p:nvSpPr>
+        <p:spPr/>
+        <p:txBody>
+          <a:bodyPr/>
+          <a:lstStyle/>
+          <a:p>
+            <a:fld id="{BE3DE472-CEB9-422A-9A3D-EF1D505F6F43}" type="slidenum">
+              <a:rPr lang="da-DK" smtClean="0"/>
+              <a:t>2</a:t>
+            </a:fld>
+            <a:endParaRPr lang="da-DK"/>
+          </a:p>
+        </p:txBody>
+      </p:sp>
+    </p:spTree>
+    <p:extLst>
+      <p:ext uri="{BB962C8B-B14F-4D97-AF65-F5344CB8AC3E}">
+        <p14:creationId xmlns:p14="http://schemas.microsoft.com/office/powerpoint/2010/main" val="2398417344"/>
+      </p:ext>
+    </p:extLst>
+  </p:cSld>
+  <p:clrMapOvr>
+    <a:masterClrMapping/>
+  </p:clrMapOvr>
+</p:notes>
+</file>
+
 <file path=ppt/slideLayouts/slideLayout1.xml><?xml version="1.0" encoding="utf-8"?>
 <p:sldLayout xmlns:a="http://schemas.openxmlformats.org/drawingml/2006/main" xmlns:r="http://schemas.openxmlformats.org/officeDocument/2006/relationships" xmlns:p="http://schemas.openxmlformats.org/presentationml/2006/main" type="title" preserve="1">
   <p:cSld name="Titelslide">
@@ -717,7 +1177,7 @@
           <a:p>
             <a:fld id="{D6A9831B-B0C3-4BB1-8FDA-6BCE8C83F86C}" type="datetimeFigureOut">
               <a:rPr lang="da-DK" smtClean="0"/>
-              <a:t>05-06-2022</a:t>
+              <a:t>08-06-2022</a:t>
             </a:fld>
             <a:endParaRPr lang="da-DK"/>
           </a:p>
@@ -915,7 +1375,7 @@
           <a:p>
             <a:fld id="{D6A9831B-B0C3-4BB1-8FDA-6BCE8C83F86C}" type="datetimeFigureOut">
               <a:rPr lang="da-DK" smtClean="0"/>
-              <a:t>05-06-2022</a:t>
+              <a:t>08-06-2022</a:t>
             </a:fld>
             <a:endParaRPr lang="da-DK"/>
           </a:p>
@@ -1123,7 +1583,7 @@
           <a:p>
             <a:fld id="{D6A9831B-B0C3-4BB1-8FDA-6BCE8C83F86C}" type="datetimeFigureOut">
               <a:rPr lang="da-DK" smtClean="0"/>
-              <a:t>05-06-2022</a:t>
+              <a:t>08-06-2022</a:t>
             </a:fld>
             <a:endParaRPr lang="da-DK"/>
           </a:p>
@@ -1321,7 +1781,7 @@
           <a:p>
             <a:fld id="{D6A9831B-B0C3-4BB1-8FDA-6BCE8C83F86C}" type="datetimeFigureOut">
               <a:rPr lang="da-DK" smtClean="0"/>
-              <a:t>05-06-2022</a:t>
+              <a:t>08-06-2022</a:t>
             </a:fld>
             <a:endParaRPr lang="da-DK"/>
           </a:p>
@@ -1596,7 +2056,7 @@
           <a:p>
             <a:fld id="{D6A9831B-B0C3-4BB1-8FDA-6BCE8C83F86C}" type="datetimeFigureOut">
               <a:rPr lang="da-DK" smtClean="0"/>
-              <a:t>05-06-2022</a:t>
+              <a:t>08-06-2022</a:t>
             </a:fld>
             <a:endParaRPr lang="da-DK"/>
           </a:p>
@@ -1861,7 +2321,7 @@
           <a:p>
             <a:fld id="{D6A9831B-B0C3-4BB1-8FDA-6BCE8C83F86C}" type="datetimeFigureOut">
               <a:rPr lang="da-DK" smtClean="0"/>
-              <a:t>05-06-2022</a:t>
+              <a:t>08-06-2022</a:t>
             </a:fld>
             <a:endParaRPr lang="da-DK"/>
           </a:p>
@@ -2273,7 +2733,7 @@
           <a:p>
             <a:fld id="{D6A9831B-B0C3-4BB1-8FDA-6BCE8C83F86C}" type="datetimeFigureOut">
               <a:rPr lang="da-DK" smtClean="0"/>
-              <a:t>05-06-2022</a:t>
+              <a:t>08-06-2022</a:t>
             </a:fld>
             <a:endParaRPr lang="da-DK"/>
           </a:p>
@@ -2414,7 +2874,7 @@
           <a:p>
             <a:fld id="{D6A9831B-B0C3-4BB1-8FDA-6BCE8C83F86C}" type="datetimeFigureOut">
               <a:rPr lang="da-DK" smtClean="0"/>
-              <a:t>05-06-2022</a:t>
+              <a:t>08-06-2022</a:t>
             </a:fld>
             <a:endParaRPr lang="da-DK"/>
           </a:p>
@@ -2527,7 +2987,7 @@
           <a:p>
             <a:fld id="{D6A9831B-B0C3-4BB1-8FDA-6BCE8C83F86C}" type="datetimeFigureOut">
               <a:rPr lang="da-DK" smtClean="0"/>
-              <a:t>05-06-2022</a:t>
+              <a:t>08-06-2022</a:t>
             </a:fld>
             <a:endParaRPr lang="da-DK"/>
           </a:p>
@@ -2838,7 +3298,7 @@
           <a:p>
             <a:fld id="{D6A9831B-B0C3-4BB1-8FDA-6BCE8C83F86C}" type="datetimeFigureOut">
               <a:rPr lang="da-DK" smtClean="0"/>
-              <a:t>05-06-2022</a:t>
+              <a:t>08-06-2022</a:t>
             </a:fld>
             <a:endParaRPr lang="da-DK"/>
           </a:p>
@@ -3126,7 +3586,7 @@
           <a:p>
             <a:fld id="{D6A9831B-B0C3-4BB1-8FDA-6BCE8C83F86C}" type="datetimeFigureOut">
               <a:rPr lang="da-DK" smtClean="0"/>
-              <a:t>05-06-2022</a:t>
+              <a:t>08-06-2022</a:t>
             </a:fld>
             <a:endParaRPr lang="da-DK"/>
           </a:p>
@@ -3367,7 +3827,7 @@
           <a:p>
             <a:fld id="{D6A9831B-B0C3-4BB1-8FDA-6BCE8C83F86C}" type="datetimeFigureOut">
               <a:rPr lang="da-DK" smtClean="0"/>
-              <a:t>05-06-2022</a:t>
+              <a:t>08-06-2022</a:t>
             </a:fld>
             <a:endParaRPr lang="da-DK"/>
           </a:p>
@@ -3872,7 +4332,7 @@
           <p:cNvPr id="5" name="Pladsholder til indhold 4">
             <a:extLst>
               <a:ext uri="{FF2B5EF4-FFF2-40B4-BE49-F238E27FC236}">
-                <a16:creationId xmlns:a16="http://schemas.microsoft.com/office/drawing/2014/main" id="{7FE00BAE-520A-C0EA-88CB-CC8A3277DB16}"/>
+                <a16:creationId xmlns:a16="http://schemas.microsoft.com/office/drawing/2014/main" id="{997D88DD-8688-065F-F9C5-A7192ACBF984}"/>
               </a:ext>
             </a:extLst>
           </p:cNvPr>
@@ -3884,66 +4344,7 @@
           </p:nvPr>
         </p:nvPicPr>
         <p:blipFill>
-          <a:blip r:embed="rId2"/>
-          <a:stretch>
-            <a:fillRect/>
-          </a:stretch>
-        </p:blipFill>
-        <p:spPr>
-          <a:xfrm>
-            <a:off x="466724" y="548481"/>
-            <a:ext cx="9018423" cy="2404269"/>
-          </a:xfrm>
-        </p:spPr>
-      </p:pic>
-    </p:spTree>
-    <p:extLst>
-      <p:ext uri="{BB962C8B-B14F-4D97-AF65-F5344CB8AC3E}">
-        <p14:creationId xmlns:p14="http://schemas.microsoft.com/office/powerpoint/2010/main" val="2668913534"/>
-      </p:ext>
-    </p:extLst>
-  </p:cSld>
-  <p:clrMapOvr>
-    <a:masterClrMapping/>
-  </p:clrMapOvr>
-</p:sld>
-</file>
-
-<file path=ppt/slides/slide3.xml><?xml version="1.0" encoding="utf-8"?>
-<p:sld xmlns:a="http://schemas.openxmlformats.org/drawingml/2006/main" xmlns:r="http://schemas.openxmlformats.org/officeDocument/2006/relationships" xmlns:p="http://schemas.openxmlformats.org/presentationml/2006/main">
-  <p:cSld>
-    <p:spTree>
-      <p:nvGrpSpPr>
-        <p:cNvPr id="1" name=""/>
-        <p:cNvGrpSpPr/>
-        <p:nvPr/>
-      </p:nvGrpSpPr>
-      <p:grpSpPr>
-        <a:xfrm>
-          <a:off x="0" y="0"/>
-          <a:ext cx="0" cy="0"/>
-          <a:chOff x="0" y="0"/>
-          <a:chExt cx="0" cy="0"/>
-        </a:xfrm>
-      </p:grpSpPr>
-      <p:pic>
-        <p:nvPicPr>
-          <p:cNvPr id="5" name="Pladsholder til indhold 4">
-            <a:extLst>
-              <a:ext uri="{FF2B5EF4-FFF2-40B4-BE49-F238E27FC236}">
-                <a16:creationId xmlns:a16="http://schemas.microsoft.com/office/drawing/2014/main" id="{997D88DD-8688-065F-F9C5-A7192ACBF984}"/>
-              </a:ext>
-            </a:extLst>
-          </p:cNvPr>
-          <p:cNvPicPr>
-            <a:picLocks noGrp="1" noChangeAspect="1"/>
-          </p:cNvPicPr>
-          <p:nvPr>
-            <p:ph idx="1"/>
-          </p:nvPr>
-        </p:nvPicPr>
-        <p:blipFill>
-          <a:blip r:embed="rId2"/>
+          <a:blip r:embed="rId3"/>
           <a:stretch>
             <a:fillRect/>
           </a:stretch>
@@ -3970,7 +4371,7 @@
           <p:nvPr/>
         </p:nvPicPr>
         <p:blipFill>
-          <a:blip r:embed="rId3"/>
+          <a:blip r:embed="rId4"/>
           <a:stretch>
             <a:fillRect/>
           </a:stretch>
@@ -4000,7 +4401,7 @@
           <p:nvPr/>
         </p:nvPicPr>
         <p:blipFill>
-          <a:blip r:embed="rId4"/>
+          <a:blip r:embed="rId5"/>
           <a:stretch>
             <a:fillRect/>
           </a:stretch>
@@ -4029,7 +4430,7 @@
         </p:nvSpPr>
         <p:spPr>
           <a:xfrm>
-            <a:off x="5493668" y="1903831"/>
+            <a:off x="8236868" y="1208506"/>
             <a:ext cx="2003562" cy="369332"/>
           </a:xfrm>
           <a:prstGeom prst="rect">
@@ -4060,36 +4461,6 @@
             <a:extLst>
               <a:ext uri="{FF2B5EF4-FFF2-40B4-BE49-F238E27FC236}">
                 <a16:creationId xmlns:a16="http://schemas.microsoft.com/office/drawing/2014/main" id="{75859C29-9DFF-F65F-BCA9-F842185436A4}"/>
-              </a:ext>
-            </a:extLst>
-          </p:cNvPr>
-          <p:cNvPicPr>
-            <a:picLocks noChangeAspect="1"/>
-          </p:cNvPicPr>
-          <p:nvPr/>
-        </p:nvPicPr>
-        <p:blipFill>
-          <a:blip r:embed="rId5"/>
-          <a:stretch>
-            <a:fillRect/>
-          </a:stretch>
-        </p:blipFill>
-        <p:spPr>
-          <a:xfrm>
-            <a:off x="5571200" y="2273163"/>
-            <a:ext cx="2381250" cy="409575"/>
-          </a:xfrm>
-          <a:prstGeom prst="rect">
-            <a:avLst/>
-          </a:prstGeom>
-        </p:spPr>
-      </p:pic>
-      <p:pic>
-        <p:nvPicPr>
-          <p:cNvPr id="16" name="Billede 15">
-            <a:extLst>
-              <a:ext uri="{FF2B5EF4-FFF2-40B4-BE49-F238E27FC236}">
-                <a16:creationId xmlns:a16="http://schemas.microsoft.com/office/drawing/2014/main" id="{8F7DD5CF-A43C-92DB-A971-B8B89DA34C6F}"/>
               </a:ext>
             </a:extLst>
           </p:cNvPr>
@@ -4106,7 +4477,37 @@
         </p:blipFill>
         <p:spPr>
           <a:xfrm>
-            <a:off x="5571200" y="3118745"/>
+            <a:off x="8314400" y="1577838"/>
+            <a:ext cx="2381250" cy="409575"/>
+          </a:xfrm>
+          <a:prstGeom prst="rect">
+            <a:avLst/>
+          </a:prstGeom>
+        </p:spPr>
+      </p:pic>
+      <p:pic>
+        <p:nvPicPr>
+          <p:cNvPr id="16" name="Billede 15">
+            <a:extLst>
+              <a:ext uri="{FF2B5EF4-FFF2-40B4-BE49-F238E27FC236}">
+                <a16:creationId xmlns:a16="http://schemas.microsoft.com/office/drawing/2014/main" id="{8F7DD5CF-A43C-92DB-A971-B8B89DA34C6F}"/>
+              </a:ext>
+            </a:extLst>
+          </p:cNvPr>
+          <p:cNvPicPr>
+            <a:picLocks noChangeAspect="1"/>
+          </p:cNvPicPr>
+          <p:nvPr/>
+        </p:nvPicPr>
+        <p:blipFill>
+          <a:blip r:embed="rId7"/>
+          <a:stretch>
+            <a:fillRect/>
+          </a:stretch>
+        </p:blipFill>
+        <p:spPr>
+          <a:xfrm>
+            <a:off x="8314400" y="2423420"/>
             <a:ext cx="2295525" cy="438150"/>
           </a:xfrm>
           <a:prstGeom prst="rect">
@@ -4128,7 +4529,7 @@
         </p:nvSpPr>
         <p:spPr>
           <a:xfrm>
-            <a:off x="5493668" y="2716075"/>
+            <a:off x="8236868" y="2020750"/>
             <a:ext cx="2178289" cy="369332"/>
           </a:xfrm>
           <a:prstGeom prst="rect">
@@ -4153,6 +4554,96 @@
           </a:p>
         </p:txBody>
       </p:sp>
+      <p:pic>
+        <p:nvPicPr>
+          <p:cNvPr id="13" name="Billede 12">
+            <a:extLst>
+              <a:ext uri="{FF2B5EF4-FFF2-40B4-BE49-F238E27FC236}">
+                <a16:creationId xmlns:a16="http://schemas.microsoft.com/office/drawing/2014/main" id="{96D9537E-AB52-4B32-411D-5A083275A967}"/>
+              </a:ext>
+            </a:extLst>
+          </p:cNvPr>
+          <p:cNvPicPr>
+            <a:picLocks noChangeAspect="1"/>
+          </p:cNvPicPr>
+          <p:nvPr/>
+        </p:nvPicPr>
+        <p:blipFill>
+          <a:blip r:embed="rId8"/>
+          <a:stretch>
+            <a:fillRect/>
+          </a:stretch>
+        </p:blipFill>
+        <p:spPr>
+          <a:xfrm>
+            <a:off x="6184230" y="2243137"/>
+            <a:ext cx="1409700" cy="2371725"/>
+          </a:xfrm>
+          <a:prstGeom prst="rect">
+            <a:avLst/>
+          </a:prstGeom>
+        </p:spPr>
+      </p:pic>
+      <p:pic>
+        <p:nvPicPr>
+          <p:cNvPr id="17" name="Billede 16">
+            <a:extLst>
+              <a:ext uri="{FF2B5EF4-FFF2-40B4-BE49-F238E27FC236}">
+                <a16:creationId xmlns:a16="http://schemas.microsoft.com/office/drawing/2014/main" id="{6E660BCE-C8EC-CEB4-5897-5CA109771536}"/>
+              </a:ext>
+            </a:extLst>
+          </p:cNvPr>
+          <p:cNvPicPr>
+            <a:picLocks noChangeAspect="1"/>
+          </p:cNvPicPr>
+          <p:nvPr/>
+        </p:nvPicPr>
+        <p:blipFill>
+          <a:blip r:embed="rId9"/>
+          <a:stretch>
+            <a:fillRect/>
+          </a:stretch>
+        </p:blipFill>
+        <p:spPr>
+          <a:xfrm>
+            <a:off x="6236020" y="2071849"/>
+            <a:ext cx="257175" cy="247650"/>
+          </a:xfrm>
+          <a:prstGeom prst="rect">
+            <a:avLst/>
+          </a:prstGeom>
+        </p:spPr>
+      </p:pic>
+      <p:pic>
+        <p:nvPicPr>
+          <p:cNvPr id="19" name="Billede 18">
+            <a:extLst>
+              <a:ext uri="{FF2B5EF4-FFF2-40B4-BE49-F238E27FC236}">
+                <a16:creationId xmlns:a16="http://schemas.microsoft.com/office/drawing/2014/main" id="{6720709B-5DA2-F6A0-6C5F-555DE7E14FE2}"/>
+              </a:ext>
+            </a:extLst>
+          </p:cNvPr>
+          <p:cNvPicPr>
+            <a:picLocks noChangeAspect="1"/>
+          </p:cNvPicPr>
+          <p:nvPr/>
+        </p:nvPicPr>
+        <p:blipFill>
+          <a:blip r:embed="rId10"/>
+          <a:stretch>
+            <a:fillRect/>
+          </a:stretch>
+        </p:blipFill>
+        <p:spPr>
+          <a:xfrm>
+            <a:off x="5572125" y="1982831"/>
+            <a:ext cx="523875" cy="942975"/>
+          </a:xfrm>
+          <a:prstGeom prst="rect">
+            <a:avLst/>
+          </a:prstGeom>
+        </p:spPr>
+      </p:pic>
     </p:spTree>
     <p:extLst>
       <p:ext uri="{BB962C8B-B14F-4D97-AF65-F5344CB8AC3E}">
@@ -4184,7 +4675,7 @@
                             </p:stCondLst>
                             <p:childTnLst>
                               <p:par>
-                                <p:cTn id="5" presetID="1" presetClass="entr" presetSubtype="0" fill="hold" grpId="0" nodeType="clickEffect">
+                                <p:cTn id="5" presetID="1" presetClass="entr" presetSubtype="0" fill="hold" nodeType="clickEffect">
                                   <p:stCondLst>
                                     <p:cond delay="0"/>
                                   </p:stCondLst>
@@ -4197,7 +4688,7 @@
                                           </p:stCondLst>
                                         </p:cTn>
                                         <p:tgtEl>
-                                          <p:spTgt spid="12"/>
+                                          <p:spTgt spid="13"/>
                                         </p:tgtEl>
                                         <p:attrNameLst>
                                           <p:attrName>style.visibility</p:attrName>
@@ -4224,6 +4715,105 @@
                                           </p:stCondLst>
                                         </p:cTn>
                                         <p:tgtEl>
+                                          <p:spTgt spid="19"/>
+                                        </p:tgtEl>
+                                        <p:attrNameLst>
+                                          <p:attrName>style.visibility</p:attrName>
+                                        </p:attrNameLst>
+                                      </p:cBhvr>
+                                      <p:to>
+                                        <p:strVal val="visible"/>
+                                      </p:to>
+                                    </p:set>
+                                  </p:childTnLst>
+                                </p:cTn>
+                              </p:par>
+                              <p:par>
+                                <p:cTn id="9" presetID="1" presetClass="entr" presetSubtype="0" fill="hold" nodeType="withEffect">
+                                  <p:stCondLst>
+                                    <p:cond delay="0"/>
+                                  </p:stCondLst>
+                                  <p:childTnLst>
+                                    <p:set>
+                                      <p:cBhvr>
+                                        <p:cTn id="10" dur="1" fill="hold">
+                                          <p:stCondLst>
+                                            <p:cond delay="0"/>
+                                          </p:stCondLst>
+                                        </p:cTn>
+                                        <p:tgtEl>
+                                          <p:spTgt spid="17"/>
+                                        </p:tgtEl>
+                                        <p:attrNameLst>
+                                          <p:attrName>style.visibility</p:attrName>
+                                        </p:attrNameLst>
+                                      </p:cBhvr>
+                                      <p:to>
+                                        <p:strVal val="visible"/>
+                                      </p:to>
+                                    </p:set>
+                                  </p:childTnLst>
+                                </p:cTn>
+                              </p:par>
+                            </p:childTnLst>
+                          </p:cTn>
+                        </p:par>
+                      </p:childTnLst>
+                    </p:cTn>
+                  </p:par>
+                  <p:par>
+                    <p:cTn id="11" fill="hold">
+                      <p:stCondLst>
+                        <p:cond delay="indefinite"/>
+                      </p:stCondLst>
+                      <p:childTnLst>
+                        <p:par>
+                          <p:cTn id="12" fill="hold">
+                            <p:stCondLst>
+                              <p:cond delay="0"/>
+                            </p:stCondLst>
+                            <p:childTnLst>
+                              <p:par>
+                                <p:cTn id="13" presetID="1" presetClass="entr" presetSubtype="0" fill="hold" grpId="0" nodeType="clickEffect">
+                                  <p:stCondLst>
+                                    <p:cond delay="0"/>
+                                  </p:stCondLst>
+                                  <p:childTnLst>
+                                    <p:set>
+                                      <p:cBhvr>
+                                        <p:cTn id="14" dur="1" fill="hold">
+                                          <p:stCondLst>
+                                            <p:cond delay="0"/>
+                                          </p:stCondLst>
+                                        </p:cTn>
+                                        <p:tgtEl>
+                                          <p:spTgt spid="12"/>
+                                        </p:tgtEl>
+                                        <p:attrNameLst>
+                                          <p:attrName>style.visibility</p:attrName>
+                                        </p:attrNameLst>
+                                      </p:cBhvr>
+                                      <p:to>
+                                        <p:strVal val="visible"/>
+                                      </p:to>
+                                    </p:set>
+                                  </p:childTnLst>
+                                </p:cTn>
+                              </p:par>
+                              <p:par>
+                                <p:cTn id="15" presetID="1" presetClass="entr" presetSubtype="0" fill="hold" nodeType="withEffect">
+                                  <p:stCondLst>
+                                    <p:cond delay="0"/>
+                                  </p:stCondLst>
+                                  <p:childTnLst>
+                                    <p:set>
+                                      <p:cBhvr>
+                                        <p:cTn id="16" dur="1" fill="hold">
+                                          <p:stCondLst>
+                                            <p:cond delay="0"/>
+                                          </p:stCondLst>
+                                        </p:cTn>
+                                        <p:tgtEl>
                                           <p:spTgt spid="14"/>
                                         </p:tgtEl>
                                         <p:attrNameLst>
@@ -4238,14 +4828,14 @@
                                 </p:cTn>
                               </p:par>
                               <p:par>
-                                <p:cTn id="9" presetID="1" presetClass="entr" presetSubtype="0" fill="hold" grpId="0" nodeType="withEffect">
+                                <p:cTn id="17" presetID="1" presetClass="entr" presetSubtype="0" fill="hold" grpId="0" nodeType="withEffect">
                                   <p:stCondLst>
                                     <p:cond delay="0"/>
                                   </p:stCondLst>
                                   <p:childTnLst>
                                     <p:set>
                                       <p:cBhvr>
-                                        <p:cTn id="10" dur="1" fill="hold">
+                                        <p:cTn id="18" dur="1" fill="hold">
                                           <p:stCondLst>
                                             <p:cond delay="0"/>
                                           </p:stCondLst>
@@ -4265,14 +4855,14 @@
                                 </p:cTn>
                               </p:par>
                               <p:par>
-                                <p:cTn id="11" presetID="1" presetClass="entr" presetSubtype="0" fill="hold" nodeType="withEffect">
+                                <p:cTn id="19" presetID="1" presetClass="entr" presetSubtype="0" fill="hold" nodeType="withEffect">
                                   <p:stCondLst>
                                     <p:cond delay="0"/>
                                   </p:stCondLst>
                                   <p:childTnLst>
                                     <p:set>
                                       <p:cBhvr>
-                                        <p:cTn id="12" dur="1" fill="hold">
+                                        <p:cTn id="20" dur="1" fill="hold">
                                           <p:stCondLst>
                                             <p:cond delay="0"/>
                                           </p:stCondLst>
@@ -4326,7 +4916,7 @@
 </p:sld>
 </file>
 
-<file path=ppt/slides/slide4.xml><?xml version="1.0" encoding="utf-8"?>
+<file path=ppt/slides/slide3.xml><?xml version="1.0" encoding="utf-8"?>
 <p:sld xmlns:a="http://schemas.openxmlformats.org/drawingml/2006/main" xmlns:r="http://schemas.openxmlformats.org/officeDocument/2006/relationships" xmlns:p="http://schemas.openxmlformats.org/presentationml/2006/main">
   <p:cSld>
     <p:spTree>
@@ -4582,8 +5172,8 @@
           </a:prstGeom>
         </p:spPr>
       </p:pic>
-      <mc:AlternateContent xmlns:mc="http://schemas.openxmlformats.org/markup-compatibility/2006">
-        <mc:Choice xmlns:p14="http://schemas.microsoft.com/office/powerpoint/2010/main" Requires="p14">
+      <mc:AlternateContent xmlns:mc="http://schemas.openxmlformats.org/markup-compatibility/2006" xmlns:p14="http://schemas.microsoft.com/office/powerpoint/2010/main">
+        <mc:Choice Requires="p14">
           <p:contentPart p14:bwMode="auto" r:id="rId10">
             <p14:nvContentPartPr>
               <p14:cNvPr id="53" name="Håndskrift 52">
@@ -4602,7 +5192,7 @@
             </p14:xfrm>
           </p:contentPart>
         </mc:Choice>
-        <mc:Fallback>
+        <mc:Fallback xmlns="">
           <p:pic>
             <p:nvPicPr>
               <p:cNvPr id="53" name="Håndskrift 52">
@@ -4653,8 +5243,8 @@
             <a:chExt cx="442440" cy="178560"/>
           </a:xfrm>
         </p:grpSpPr>
-        <mc:AlternateContent xmlns:mc="http://schemas.openxmlformats.org/markup-compatibility/2006">
-          <mc:Choice xmlns:p14="http://schemas.microsoft.com/office/powerpoint/2010/main" Requires="p14">
+        <mc:AlternateContent xmlns:mc="http://schemas.openxmlformats.org/markup-compatibility/2006" xmlns:p14="http://schemas.microsoft.com/office/powerpoint/2010/main">
+          <mc:Choice Requires="p14">
             <p:contentPart p14:bwMode="auto" r:id="rId12">
               <p14:nvContentPartPr>
                 <p14:cNvPr id="58" name="Håndskrift 57">
@@ -4673,7 +5263,7 @@
               </p14:xfrm>
             </p:contentPart>
           </mc:Choice>
-          <mc:Fallback>
+          <mc:Fallback xmlns="">
             <p:pic>
               <p:nvPicPr>
                 <p:cNvPr id="58" name="Håndskrift 57">
@@ -4704,8 +5294,8 @@
             </p:pic>
           </mc:Fallback>
         </mc:AlternateContent>
-        <mc:AlternateContent xmlns:mc="http://schemas.openxmlformats.org/markup-compatibility/2006">
-          <mc:Choice xmlns:p14="http://schemas.microsoft.com/office/powerpoint/2010/main" Requires="p14">
+        <mc:AlternateContent xmlns:mc="http://schemas.openxmlformats.org/markup-compatibility/2006" xmlns:p14="http://schemas.microsoft.com/office/powerpoint/2010/main">
+          <mc:Choice Requires="p14">
             <p:contentPart p14:bwMode="auto" r:id="rId14">
               <p14:nvContentPartPr>
                 <p14:cNvPr id="59" name="Håndskrift 58">
@@ -4724,7 +5314,7 @@
               </p14:xfrm>
             </p:contentPart>
           </mc:Choice>
-          <mc:Fallback>
+          <mc:Fallback xmlns="">
             <p:pic>
               <p:nvPicPr>
                 <p:cNvPr id="59" name="Håndskrift 58">
@@ -4776,8 +5366,8 @@
             <a:chExt cx="431640" cy="281520"/>
           </a:xfrm>
         </p:grpSpPr>
-        <mc:AlternateContent xmlns:mc="http://schemas.openxmlformats.org/markup-compatibility/2006">
-          <mc:Choice xmlns:p14="http://schemas.microsoft.com/office/powerpoint/2010/main" Requires="p14">
+        <mc:AlternateContent xmlns:mc="http://schemas.openxmlformats.org/markup-compatibility/2006" xmlns:p14="http://schemas.microsoft.com/office/powerpoint/2010/main">
+          <mc:Choice Requires="p14">
             <p:contentPart p14:bwMode="auto" r:id="rId16">
               <p14:nvContentPartPr>
                 <p14:cNvPr id="61" name="Håndskrift 60">
@@ -4796,7 +5386,7 @@
               </p14:xfrm>
             </p:contentPart>
           </mc:Choice>
-          <mc:Fallback>
+          <mc:Fallback xmlns="">
             <p:pic>
               <p:nvPicPr>
                 <p:cNvPr id="61" name="Håndskrift 60">
@@ -4827,8 +5417,8 @@
             </p:pic>
           </mc:Fallback>
         </mc:AlternateContent>
-        <mc:AlternateContent xmlns:mc="http://schemas.openxmlformats.org/markup-compatibility/2006">
-          <mc:Choice xmlns:p14="http://schemas.microsoft.com/office/powerpoint/2010/main" Requires="p14">
+        <mc:AlternateContent xmlns:mc="http://schemas.openxmlformats.org/markup-compatibility/2006" xmlns:p14="http://schemas.microsoft.com/office/powerpoint/2010/main">
+          <mc:Choice Requires="p14">
             <p:contentPart p14:bwMode="auto" r:id="rId18">
               <p14:nvContentPartPr>
                 <p14:cNvPr id="62" name="Håndskrift 61">
@@ -4847,7 +5437,7 @@
               </p14:xfrm>
             </p:contentPart>
           </mc:Choice>
-          <mc:Fallback>
+          <mc:Fallback xmlns="">
             <p:pic>
               <p:nvPicPr>
                 <p:cNvPr id="62" name="Håndskrift 61">
@@ -4899,8 +5489,8 @@
             <a:chExt cx="392760" cy="273240"/>
           </a:xfrm>
         </p:grpSpPr>
-        <mc:AlternateContent xmlns:mc="http://schemas.openxmlformats.org/markup-compatibility/2006">
-          <mc:Choice xmlns:p14="http://schemas.microsoft.com/office/powerpoint/2010/main" Requires="p14">
+        <mc:AlternateContent xmlns:mc="http://schemas.openxmlformats.org/markup-compatibility/2006" xmlns:p14="http://schemas.microsoft.com/office/powerpoint/2010/main">
+          <mc:Choice Requires="p14">
             <p:contentPart p14:bwMode="auto" r:id="rId20">
               <p14:nvContentPartPr>
                 <p14:cNvPr id="64" name="Håndskrift 63">
@@ -4919,7 +5509,7 @@
               </p14:xfrm>
             </p:contentPart>
           </mc:Choice>
-          <mc:Fallback>
+          <mc:Fallback xmlns="">
             <p:pic>
               <p:nvPicPr>
                 <p:cNvPr id="64" name="Håndskrift 63">
@@ -4950,8 +5540,8 @@
             </p:pic>
           </mc:Fallback>
         </mc:AlternateContent>
-        <mc:AlternateContent xmlns:mc="http://schemas.openxmlformats.org/markup-compatibility/2006">
-          <mc:Choice xmlns:p14="http://schemas.microsoft.com/office/powerpoint/2010/main" Requires="p14">
+        <mc:AlternateContent xmlns:mc="http://schemas.openxmlformats.org/markup-compatibility/2006" xmlns:p14="http://schemas.microsoft.com/office/powerpoint/2010/main">
+          <mc:Choice Requires="p14">
             <p:contentPart p14:bwMode="auto" r:id="rId22">
               <p14:nvContentPartPr>
                 <p14:cNvPr id="65" name="Håndskrift 64">
@@ -4970,7 +5560,7 @@
               </p14:xfrm>
             </p:contentPart>
           </mc:Choice>
-          <mc:Fallback>
+          <mc:Fallback xmlns="">
             <p:pic>
               <p:nvPicPr>
                 <p:cNvPr id="65" name="Håndskrift 64">
@@ -5022,8 +5612,8 @@
             <a:chExt cx="1011600" cy="125280"/>
           </a:xfrm>
         </p:grpSpPr>
-        <mc:AlternateContent xmlns:mc="http://schemas.openxmlformats.org/markup-compatibility/2006">
-          <mc:Choice xmlns:p14="http://schemas.microsoft.com/office/powerpoint/2010/main" Requires="p14">
+        <mc:AlternateContent xmlns:mc="http://schemas.openxmlformats.org/markup-compatibility/2006" xmlns:p14="http://schemas.microsoft.com/office/powerpoint/2010/main">
+          <mc:Choice Requires="p14">
             <p:contentPart p14:bwMode="auto" r:id="rId24">
               <p14:nvContentPartPr>
                 <p14:cNvPr id="67" name="Håndskrift 66">
@@ -5042,7 +5632,7 @@
               </p14:xfrm>
             </p:contentPart>
           </mc:Choice>
-          <mc:Fallback>
+          <mc:Fallback xmlns="">
             <p:pic>
               <p:nvPicPr>
                 <p:cNvPr id="67" name="Håndskrift 66">
@@ -5073,8 +5663,8 @@
             </p:pic>
           </mc:Fallback>
         </mc:AlternateContent>
-        <mc:AlternateContent xmlns:mc="http://schemas.openxmlformats.org/markup-compatibility/2006">
-          <mc:Choice xmlns:p14="http://schemas.microsoft.com/office/powerpoint/2010/main" Requires="p14">
+        <mc:AlternateContent xmlns:mc="http://schemas.openxmlformats.org/markup-compatibility/2006" xmlns:p14="http://schemas.microsoft.com/office/powerpoint/2010/main">
+          <mc:Choice Requires="p14">
             <p:contentPart p14:bwMode="auto" r:id="rId26">
               <p14:nvContentPartPr>
                 <p14:cNvPr id="68" name="Håndskrift 67">
@@ -5093,7 +5683,7 @@
               </p14:xfrm>
             </p:contentPart>
           </mc:Choice>
-          <mc:Fallback>
+          <mc:Fallback xmlns="">
             <p:pic>
               <p:nvPicPr>
                 <p:cNvPr id="68" name="Håndskrift 67">
@@ -5205,8 +5795,8 @@
             <a:chExt cx="272160" cy="405720"/>
           </a:xfrm>
         </p:grpSpPr>
-        <mc:AlternateContent xmlns:mc="http://schemas.openxmlformats.org/markup-compatibility/2006">
-          <mc:Choice xmlns:p14="http://schemas.microsoft.com/office/powerpoint/2010/main" Requires="p14">
+        <mc:AlternateContent xmlns:mc="http://schemas.openxmlformats.org/markup-compatibility/2006" xmlns:p14="http://schemas.microsoft.com/office/powerpoint/2010/main">
+          <mc:Choice Requires="p14">
             <p:contentPart p14:bwMode="auto" r:id="rId30">
               <p14:nvContentPartPr>
                 <p14:cNvPr id="84" name="Håndskrift 83">
@@ -5225,7 +5815,7 @@
               </p14:xfrm>
             </p:contentPart>
           </mc:Choice>
-          <mc:Fallback>
+          <mc:Fallback xmlns="">
             <p:pic>
               <p:nvPicPr>
                 <p:cNvPr id="84" name="Håndskrift 83">
@@ -5256,8 +5846,8 @@
             </p:pic>
           </mc:Fallback>
         </mc:AlternateContent>
-        <mc:AlternateContent xmlns:mc="http://schemas.openxmlformats.org/markup-compatibility/2006">
-          <mc:Choice xmlns:p14="http://schemas.microsoft.com/office/powerpoint/2010/main" Requires="p14">
+        <mc:AlternateContent xmlns:mc="http://schemas.openxmlformats.org/markup-compatibility/2006" xmlns:p14="http://schemas.microsoft.com/office/powerpoint/2010/main">
+          <mc:Choice Requires="p14">
             <p:contentPart p14:bwMode="auto" r:id="rId32">
               <p14:nvContentPartPr>
                 <p14:cNvPr id="85" name="Håndskrift 84">
@@ -5276,7 +5866,7 @@
               </p14:xfrm>
             </p:contentPart>
           </mc:Choice>
-          <mc:Fallback>
+          <mc:Fallback xmlns="">
             <p:pic>
               <p:nvPicPr>
                 <p:cNvPr id="85" name="Håndskrift 84">
@@ -5328,8 +5918,8 @@
             <a:chExt cx="282240" cy="562320"/>
           </a:xfrm>
         </p:grpSpPr>
-        <mc:AlternateContent xmlns:mc="http://schemas.openxmlformats.org/markup-compatibility/2006">
-          <mc:Choice xmlns:p14="http://schemas.microsoft.com/office/powerpoint/2010/main" Requires="p14">
+        <mc:AlternateContent xmlns:mc="http://schemas.openxmlformats.org/markup-compatibility/2006" xmlns:p14="http://schemas.microsoft.com/office/powerpoint/2010/main">
+          <mc:Choice Requires="p14">
             <p:contentPart p14:bwMode="auto" r:id="rId34">
               <p14:nvContentPartPr>
                 <p14:cNvPr id="88" name="Håndskrift 87">
@@ -5348,7 +5938,7 @@
               </p14:xfrm>
             </p:contentPart>
           </mc:Choice>
-          <mc:Fallback>
+          <mc:Fallback xmlns="">
             <p:pic>
               <p:nvPicPr>
                 <p:cNvPr id="88" name="Håndskrift 87">
@@ -5379,8 +5969,8 @@
             </p:pic>
           </mc:Fallback>
         </mc:AlternateContent>
-        <mc:AlternateContent xmlns:mc="http://schemas.openxmlformats.org/markup-compatibility/2006">
-          <mc:Choice xmlns:p14="http://schemas.microsoft.com/office/powerpoint/2010/main" Requires="p14">
+        <mc:AlternateContent xmlns:mc="http://schemas.openxmlformats.org/markup-compatibility/2006" xmlns:p14="http://schemas.microsoft.com/office/powerpoint/2010/main">
+          <mc:Choice Requires="p14">
             <p:contentPart p14:bwMode="auto" r:id="rId36">
               <p14:nvContentPartPr>
                 <p14:cNvPr id="89" name="Håndskrift 88">
@@ -5399,7 +5989,7 @@
               </p14:xfrm>
             </p:contentPart>
           </mc:Choice>
-          <mc:Fallback>
+          <mc:Fallback xmlns="">
             <p:pic>
               <p:nvPicPr>
                 <p:cNvPr id="89" name="Håndskrift 88">
@@ -5431,8 +6021,8 @@
           </mc:Fallback>
         </mc:AlternateContent>
       </p:grpSp>
-      <mc:AlternateContent xmlns:mc="http://schemas.openxmlformats.org/markup-compatibility/2006">
-        <mc:Choice xmlns:p14="http://schemas.microsoft.com/office/powerpoint/2010/main" Requires="p14">
+      <mc:AlternateContent xmlns:mc="http://schemas.openxmlformats.org/markup-compatibility/2006" xmlns:p14="http://schemas.microsoft.com/office/powerpoint/2010/main">
+        <mc:Choice Requires="p14">
           <p:contentPart p14:bwMode="auto" r:id="rId38">
             <p14:nvContentPartPr>
               <p14:cNvPr id="91" name="Håndskrift 90">
@@ -5451,7 +6041,7 @@
             </p14:xfrm>
           </p:contentPart>
         </mc:Choice>
-        <mc:Fallback>
+        <mc:Fallback xmlns="">
           <p:pic>
             <p:nvPicPr>
               <p:cNvPr id="91" name="Håndskrift 90">
@@ -5502,8 +6092,8 @@
             <a:chExt cx="306360" cy="993600"/>
           </a:xfrm>
         </p:grpSpPr>
-        <mc:AlternateContent xmlns:mc="http://schemas.openxmlformats.org/markup-compatibility/2006">
-          <mc:Choice xmlns:p14="http://schemas.microsoft.com/office/powerpoint/2010/main" Requires="p14">
+        <mc:AlternateContent xmlns:mc="http://schemas.openxmlformats.org/markup-compatibility/2006" xmlns:p14="http://schemas.microsoft.com/office/powerpoint/2010/main">
+          <mc:Choice Requires="p14">
             <p:contentPart p14:bwMode="auto" r:id="rId40">
               <p14:nvContentPartPr>
                 <p14:cNvPr id="77" name="Håndskrift 76">
@@ -5522,7 +6112,7 @@
               </p14:xfrm>
             </p:contentPart>
           </mc:Choice>
-          <mc:Fallback>
+          <mc:Fallback xmlns="">
             <p:pic>
               <p:nvPicPr>
                 <p:cNvPr id="77" name="Håndskrift 76">
@@ -5553,8 +6143,8 @@
             </p:pic>
           </mc:Fallback>
         </mc:AlternateContent>
-        <mc:AlternateContent xmlns:mc="http://schemas.openxmlformats.org/markup-compatibility/2006">
-          <mc:Choice xmlns:p14="http://schemas.microsoft.com/office/powerpoint/2010/main" Requires="p14">
+        <mc:AlternateContent xmlns:mc="http://schemas.openxmlformats.org/markup-compatibility/2006" xmlns:p14="http://schemas.microsoft.com/office/powerpoint/2010/main">
+          <mc:Choice Requires="p14">
             <p:contentPart p14:bwMode="auto" r:id="rId42">
               <p14:nvContentPartPr>
                 <p14:cNvPr id="78" name="Håndskrift 77">
@@ -5573,7 +6163,7 @@
               </p14:xfrm>
             </p:contentPart>
           </mc:Choice>
-          <mc:Fallback>
+          <mc:Fallback xmlns="">
             <p:pic>
               <p:nvPicPr>
                 <p:cNvPr id="78" name="Håndskrift 77">
@@ -5604,8 +6194,8 @@
             </p:pic>
           </mc:Fallback>
         </mc:AlternateContent>
-        <mc:AlternateContent xmlns:mc="http://schemas.openxmlformats.org/markup-compatibility/2006">
-          <mc:Choice xmlns:p14="http://schemas.microsoft.com/office/powerpoint/2010/main" Requires="p14">
+        <mc:AlternateContent xmlns:mc="http://schemas.openxmlformats.org/markup-compatibility/2006" xmlns:p14="http://schemas.microsoft.com/office/powerpoint/2010/main">
+          <mc:Choice Requires="p14">
             <p:contentPart p14:bwMode="auto" r:id="rId44">
               <p14:nvContentPartPr>
                 <p14:cNvPr id="92" name="Håndskrift 91">
@@ -5624,7 +6214,7 @@
               </p14:xfrm>
             </p:contentPart>
           </mc:Choice>
-          <mc:Fallback>
+          <mc:Fallback xmlns="">
             <p:pic>
               <p:nvPicPr>
                 <p:cNvPr id="92" name="Håndskrift 91">
@@ -6266,7 +6856,7 @@
 </p:sld>
 </file>
 
-<file path=ppt/slides/slide5.xml><?xml version="1.0" encoding="utf-8"?>
+<file path=ppt/slides/slide4.xml><?xml version="1.0" encoding="utf-8"?>
 <p:sld xmlns:a="http://schemas.openxmlformats.org/drawingml/2006/main" xmlns:r="http://schemas.openxmlformats.org/officeDocument/2006/relationships" xmlns:p="http://schemas.openxmlformats.org/presentationml/2006/main">
   <p:cSld>
     <p:spTree>
@@ -7703,4 +8293,299 @@
     </a:ext>
   </a:extLst>
 </a:theme>
+</file>
+
+<file path=ppt/theme/theme2.xml><?xml version="1.0" encoding="utf-8"?>
+<a:theme xmlns:a="http://schemas.openxmlformats.org/drawingml/2006/main" name="Office-tema">
+  <a:themeElements>
+    <a:clrScheme name="Office">
+      <a:dk1>
+        <a:sysClr val="windowText" lastClr="000000"/>
+      </a:dk1>
+      <a:lt1>
+        <a:sysClr val="window" lastClr="FFFFFF"/>
+      </a:lt1>
+      <a:dk2>
+        <a:srgbClr val="44546A"/>
+      </a:dk2>
+      <a:lt2>
+        <a:srgbClr val="E7E6E6"/>
+      </a:lt2>
+      <a:accent1>
+        <a:srgbClr val="4472C4"/>
+      </a:accent1>
+      <a:accent2>
+        <a:srgbClr val="ED7D31"/>
+      </a:accent2>
+      <a:accent3>
+        <a:srgbClr val="A5A5A5"/>
+      </a:accent3>
+      <a:accent4>
+        <a:srgbClr val="FFC000"/>
+      </a:accent4>
+      <a:accent5>
+        <a:srgbClr val="5B9BD5"/>
+      </a:accent5>
+      <a:accent6>
+        <a:srgbClr val="70AD47"/>
+      </a:accent6>
+      <a:hlink>
+        <a:srgbClr val="0563C1"/>
+      </a:hlink>
+      <a:folHlink>
+        <a:srgbClr val="954F72"/>
+      </a:folHlink>
+    </a:clrScheme>
+    <a:fontScheme name="Office">
+      <a:majorFont>
+        <a:latin typeface="Calibri Light" panose="020F0302020204030204"/>
+        <a:ea typeface=""/>
+        <a:cs typeface=""/>
+        <a:font script="Jpan" typeface="游ゴシック Light"/>
+        <a:font script="Hang" typeface="맑은 고딕"/>
+        <a:font script="Hans" typeface="等线 Light"/>
+        <a:font script="Hant" typeface="新細明體"/>
+        <a:font script="Arab" typeface="Times New Roman"/>
+        <a:font script="Hebr" typeface="Times New Roman"/>
+        <a:font script="Thai" typeface="Angsana New"/>
+        <a:font script="Ethi" typeface="Nyala"/>
+        <a:font script="Beng" typeface="Vrinda"/>
+        <a:font script="Gujr" typeface="Shruti"/>
+        <a:font script="Khmr" typeface="MoolBoran"/>
+        <a:font script="Knda" typeface="Tunga"/>
+        <a:font script="Guru" typeface="Raavi"/>
+        <a:font script="Cans" typeface="Euphemia"/>
+        <a:font script="Cher" typeface="Plantagenet Cherokee"/>
+        <a:font script="Yiii" typeface="Microsoft Yi Baiti"/>
+        <a:font script="Tibt" typeface="Microsoft Himalaya"/>
+        <a:font script="Thaa" typeface="MV Boli"/>
+        <a:font script="Deva" typeface="Mangal"/>
+        <a:font script="Telu" typeface="Gautami"/>
+        <a:font script="Taml" typeface="Latha"/>
+        <a:font script="Syrc" typeface="Estrangelo Edessa"/>
+        <a:font script="Orya" typeface="Kalinga"/>
+        <a:font script="Mlym" typeface="Kartika"/>
+        <a:font script="Laoo" typeface="DokChampa"/>
+        <a:font script="Sinh" typeface="Iskoola Pota"/>
+        <a:font script="Mong" typeface="Mongolian Baiti"/>
+        <a:font script="Viet" typeface="Times New Roman"/>
+        <a:font script="Uigh" typeface="Microsoft Uighur"/>
+        <a:font script="Geor" typeface="Sylfaen"/>
+        <a:font script="Armn" typeface="Arial"/>
+        <a:font script="Bugi" typeface="Leelawadee UI"/>
+        <a:font script="Bopo" typeface="Microsoft JhengHei"/>
+        <a:font script="Java" typeface="Javanese Text"/>
+        <a:font script="Lisu" typeface="Segoe UI"/>
+        <a:font script="Mymr" typeface="Myanmar Text"/>
+        <a:font script="Nkoo" typeface="Ebrima"/>
+        <a:font script="Olck" typeface="Nirmala UI"/>
+        <a:font script="Osma" typeface="Ebrima"/>
+        <a:font script="Phag" typeface="Phagspa"/>
+        <a:font script="Syrn" typeface="Estrangelo Edessa"/>
+        <a:font script="Syrj" typeface="Estrangelo Edessa"/>
+        <a:font script="Syre" typeface="Estrangelo Edessa"/>
+        <a:font script="Sora" typeface="Nirmala UI"/>
+        <a:font script="Tale" typeface="Microsoft Tai Le"/>
+        <a:font script="Talu" typeface="Microsoft New Tai Lue"/>
+        <a:font script="Tfng" typeface="Ebrima"/>
+      </a:majorFont>
+      <a:minorFont>
+        <a:latin typeface="Calibri" panose="020F0502020204030204"/>
+        <a:ea typeface=""/>
+        <a:cs typeface=""/>
+        <a:font script="Jpan" typeface="游ゴシック"/>
+        <a:font script="Hang" typeface="맑은 고딕"/>
+        <a:font script="Hans" typeface="等线"/>
+        <a:font script="Hant" typeface="新細明體"/>
+        <a:font script="Arab" typeface="Arial"/>
+        <a:font script="Hebr" typeface="Arial"/>
+        <a:font script="Thai" typeface="Cordia New"/>
+        <a:font script="Ethi" typeface="Nyala"/>
+        <a:font script="Beng" typeface="Vrinda"/>
+        <a:font script="Gujr" typeface="Shruti"/>
+        <a:font script="Khmr" typeface="DaunPenh"/>
+        <a:font script="Knda" typeface="Tunga"/>
+        <a:font script="Guru" typeface="Raavi"/>
+        <a:font script="Cans" typeface="Euphemia"/>
+        <a:font script="Cher" typeface="Plantagenet Cherokee"/>
+        <a:font script="Yiii" typeface="Microsoft Yi Baiti"/>
+        <a:font script="Tibt" typeface="Microsoft Himalaya"/>
+        <a:font script="Thaa" typeface="MV Boli"/>
+        <a:font script="Deva" typeface="Mangal"/>
+        <a:font script="Telu" typeface="Gautami"/>
+        <a:font script="Taml" typeface="Latha"/>
+        <a:font script="Syrc" typeface="Estrangelo Edessa"/>
+        <a:font script="Orya" typeface="Kalinga"/>
+        <a:font script="Mlym" typeface="Kartika"/>
+        <a:font script="Laoo" typeface="DokChampa"/>
+        <a:font script="Sinh" typeface="Iskoola Pota"/>
+        <a:font script="Mong" typeface="Mongolian Baiti"/>
+        <a:font script="Viet" typeface="Arial"/>
+        <a:font script="Uigh" typeface="Microsoft Uighur"/>
+        <a:font script="Geor" typeface="Sylfaen"/>
+        <a:font script="Armn" typeface="Arial"/>
+        <a:font script="Bugi" typeface="Leelawadee UI"/>
+        <a:font script="Bopo" typeface="Microsoft JhengHei"/>
+        <a:font script="Java" typeface="Javanese Text"/>
+        <a:font script="Lisu" typeface="Segoe UI"/>
+        <a:font script="Mymr" typeface="Myanmar Text"/>
+        <a:font script="Nkoo" typeface="Ebrima"/>
+        <a:font script="Olck" typeface="Nirmala UI"/>
+        <a:font script="Osma" typeface="Ebrima"/>
+        <a:font script="Phag" typeface="Phagspa"/>
+        <a:font script="Syrn" typeface="Estrangelo Edessa"/>
+        <a:font script="Syrj" typeface="Estrangelo Edessa"/>
+        <a:font script="Syre" typeface="Estrangelo Edessa"/>
+        <a:font script="Sora" typeface="Nirmala UI"/>
+        <a:font script="Tale" typeface="Microsoft Tai Le"/>
+        <a:font script="Talu" typeface="Microsoft New Tai Lue"/>
+        <a:font script="Tfng" typeface="Ebrima"/>
+      </a:minorFont>
+    </a:fontScheme>
+    <a:fmtScheme name="Office">
+      <a:fillStyleLst>
+        <a:solidFill>
+          <a:schemeClr val="phClr"/>
+        </a:solidFill>
+        <a:gradFill rotWithShape="1">
+          <a:gsLst>
+            <a:gs pos="0">
+              <a:schemeClr val="phClr">
+                <a:lumMod val="110000"/>
+                <a:satMod val="105000"/>
+                <a:tint val="67000"/>
+              </a:schemeClr>
+            </a:gs>
+            <a:gs pos="50000">
+              <a:schemeClr val="phClr">
+                <a:lumMod val="105000"/>
+                <a:satMod val="103000"/>
+                <a:tint val="73000"/>
+              </a:schemeClr>
+            </a:gs>
+            <a:gs pos="100000">
+              <a:schemeClr val="phClr">
+                <a:lumMod val="105000"/>
+                <a:satMod val="109000"/>
+                <a:tint val="81000"/>
+              </a:schemeClr>
+            </a:gs>
+          </a:gsLst>
+          <a:lin ang="5400000" scaled="0"/>
+        </a:gradFill>
+        <a:gradFill rotWithShape="1">
+          <a:gsLst>
+            <a:gs pos="0">
+              <a:schemeClr val="phClr">
+                <a:satMod val="103000"/>
+                <a:lumMod val="102000"/>
+                <a:tint val="94000"/>
+              </a:schemeClr>
+            </a:gs>
+            <a:gs pos="50000">
+              <a:schemeClr val="phClr">
+                <a:satMod val="110000"/>
+                <a:lumMod val="100000"/>
+                <a:shade val="100000"/>
+              </a:schemeClr>
+            </a:gs>
+            <a:gs pos="100000">
+              <a:schemeClr val="phClr">
+                <a:lumMod val="99000"/>
+                <a:satMod val="120000"/>
+                <a:shade val="78000"/>
+              </a:schemeClr>
+            </a:gs>
+          </a:gsLst>
+          <a:lin ang="5400000" scaled="0"/>
+        </a:gradFill>
+      </a:fillStyleLst>
+      <a:lnStyleLst>
+        <a:ln w="6350" cap="flat" cmpd="sng" algn="ctr">
+          <a:solidFill>
+            <a:schemeClr val="phClr"/>
+          </a:solidFill>
+          <a:prstDash val="solid"/>
+          <a:miter lim="800000"/>
+        </a:ln>
+        <a:ln w="12700" cap="flat" cmpd="sng" algn="ctr">
+          <a:solidFill>
+            <a:schemeClr val="phClr"/>
+          </a:solidFill>
+          <a:prstDash val="solid"/>
+          <a:miter lim="800000"/>
+        </a:ln>
+        <a:ln w="19050" cap="flat" cmpd="sng" algn="ctr">
+          <a:solidFill>
+            <a:schemeClr val="phClr"/>
+          </a:solidFill>
+          <a:prstDash val="solid"/>
+          <a:miter lim="800000"/>
+        </a:ln>
+      </a:lnStyleLst>
+      <a:effectStyleLst>
+        <a:effectStyle>
+          <a:effectLst/>
+        </a:effectStyle>
+        <a:effectStyle>
+          <a:effectLst/>
+        </a:effectStyle>
+        <a:effectStyle>
+          <a:effectLst>
+            <a:outerShdw blurRad="57150" dist="19050" dir="5400000" algn="ctr" rotWithShape="0">
+              <a:srgbClr val="000000">
+                <a:alpha val="63000"/>
+              </a:srgbClr>
+            </a:outerShdw>
+          </a:effectLst>
+        </a:effectStyle>
+      </a:effectStyleLst>
+      <a:bgFillStyleLst>
+        <a:solidFill>
+          <a:schemeClr val="phClr"/>
+        </a:solidFill>
+        <a:solidFill>
+          <a:schemeClr val="phClr">
+            <a:tint val="95000"/>
+            <a:satMod val="170000"/>
+          </a:schemeClr>
+        </a:solidFill>
+        <a:gradFill rotWithShape="1">
+          <a:gsLst>
+            <a:gs pos="0">
+              <a:schemeClr val="phClr">
+                <a:tint val="93000"/>
+                <a:satMod val="150000"/>
+                <a:shade val="98000"/>
+                <a:lumMod val="102000"/>
+              </a:schemeClr>
+            </a:gs>
+            <a:gs pos="50000">
+              <a:schemeClr val="phClr">
+                <a:tint val="98000"/>
+                <a:satMod val="130000"/>
+                <a:shade val="90000"/>
+                <a:lumMod val="103000"/>
+              </a:schemeClr>
+            </a:gs>
+            <a:gs pos="100000">
+              <a:schemeClr val="phClr">
+                <a:shade val="63000"/>
+                <a:satMod val="120000"/>
+              </a:schemeClr>
+            </a:gs>
+          </a:gsLst>
+          <a:lin ang="5400000" scaled="0"/>
+        </a:gradFill>
+      </a:bgFillStyleLst>
+    </a:fmtScheme>
+  </a:themeElements>
+  <a:objectDefaults/>
+  <a:extraClrSchemeLst/>
+  <a:extLst>
+    <a:ext uri="{05A4C25C-085E-4340-85A3-A5531E510DB2}">
+      <thm15:themeFamily xmlns:thm15="http://schemas.microsoft.com/office/thememl/2012/main" name="Office Theme" id="{62F939B6-93AF-4DB8-9C6B-D6C7DFDC589F}" vid="{4A3C46E8-61CC-4603-A589-7422A47A8E4A}"/>
+    </a:ext>
+  </a:extLst>
+</a:theme>
 </file>